--- a/image.pptx
+++ b/image.pptx
@@ -9,6 +9,7 @@
     <p:sldId id="258" r:id="rId3"/>
     <p:sldId id="257" r:id="rId4"/>
     <p:sldId id="259" r:id="rId5"/>
+    <p:sldId id="260" r:id="rId6"/>
   </p:sldIdLst>
   <p:sldSz cx="12192000" cy="6858000"/>
   <p:notesSz cx="6858000" cy="9144000"/>
@@ -246,7 +247,7 @@
           <a:p>
             <a:fld id="{84B113F4-3EE7-405D-8C5B-55A41272BB02}" type="datetimeFigureOut">
               <a:rPr lang="ko-KR" altLang="en-US" smtClean="0"/>
-              <a:t>2023-03-21</a:t>
+              <a:t>2023-03-22</a:t>
             </a:fld>
             <a:endParaRPr lang="ko-KR" altLang="en-US"/>
           </a:p>
@@ -416,7 +417,7 @@
           <a:p>
             <a:fld id="{84B113F4-3EE7-405D-8C5B-55A41272BB02}" type="datetimeFigureOut">
               <a:rPr lang="ko-KR" altLang="en-US" smtClean="0"/>
-              <a:t>2023-03-21</a:t>
+              <a:t>2023-03-22</a:t>
             </a:fld>
             <a:endParaRPr lang="ko-KR" altLang="en-US"/>
           </a:p>
@@ -596,7 +597,7 @@
           <a:p>
             <a:fld id="{84B113F4-3EE7-405D-8C5B-55A41272BB02}" type="datetimeFigureOut">
               <a:rPr lang="ko-KR" altLang="en-US" smtClean="0"/>
-              <a:t>2023-03-21</a:t>
+              <a:t>2023-03-22</a:t>
             </a:fld>
             <a:endParaRPr lang="ko-KR" altLang="en-US"/>
           </a:p>
@@ -766,7 +767,7 @@
           <a:p>
             <a:fld id="{84B113F4-3EE7-405D-8C5B-55A41272BB02}" type="datetimeFigureOut">
               <a:rPr lang="ko-KR" altLang="en-US" smtClean="0"/>
-              <a:t>2023-03-21</a:t>
+              <a:t>2023-03-22</a:t>
             </a:fld>
             <a:endParaRPr lang="ko-KR" altLang="en-US"/>
           </a:p>
@@ -1012,7 +1013,7 @@
           <a:p>
             <a:fld id="{84B113F4-3EE7-405D-8C5B-55A41272BB02}" type="datetimeFigureOut">
               <a:rPr lang="ko-KR" altLang="en-US" smtClean="0"/>
-              <a:t>2023-03-21</a:t>
+              <a:t>2023-03-22</a:t>
             </a:fld>
             <a:endParaRPr lang="ko-KR" altLang="en-US"/>
           </a:p>
@@ -1244,7 +1245,7 @@
           <a:p>
             <a:fld id="{84B113F4-3EE7-405D-8C5B-55A41272BB02}" type="datetimeFigureOut">
               <a:rPr lang="ko-KR" altLang="en-US" smtClean="0"/>
-              <a:t>2023-03-21</a:t>
+              <a:t>2023-03-22</a:t>
             </a:fld>
             <a:endParaRPr lang="ko-KR" altLang="en-US"/>
           </a:p>
@@ -1611,7 +1612,7 @@
           <a:p>
             <a:fld id="{84B113F4-3EE7-405D-8C5B-55A41272BB02}" type="datetimeFigureOut">
               <a:rPr lang="ko-KR" altLang="en-US" smtClean="0"/>
-              <a:t>2023-03-21</a:t>
+              <a:t>2023-03-22</a:t>
             </a:fld>
             <a:endParaRPr lang="ko-KR" altLang="en-US"/>
           </a:p>
@@ -1729,7 +1730,7 @@
           <a:p>
             <a:fld id="{84B113F4-3EE7-405D-8C5B-55A41272BB02}" type="datetimeFigureOut">
               <a:rPr lang="ko-KR" altLang="en-US" smtClean="0"/>
-              <a:t>2023-03-21</a:t>
+              <a:t>2023-03-22</a:t>
             </a:fld>
             <a:endParaRPr lang="ko-KR" altLang="en-US"/>
           </a:p>
@@ -1824,7 +1825,7 @@
           <a:p>
             <a:fld id="{84B113F4-3EE7-405D-8C5B-55A41272BB02}" type="datetimeFigureOut">
               <a:rPr lang="ko-KR" altLang="en-US" smtClean="0"/>
-              <a:t>2023-03-21</a:t>
+              <a:t>2023-03-22</a:t>
             </a:fld>
             <a:endParaRPr lang="ko-KR" altLang="en-US"/>
           </a:p>
@@ -2101,7 +2102,7 @@
           <a:p>
             <a:fld id="{84B113F4-3EE7-405D-8C5B-55A41272BB02}" type="datetimeFigureOut">
               <a:rPr lang="ko-KR" altLang="en-US" smtClean="0"/>
-              <a:t>2023-03-21</a:t>
+              <a:t>2023-03-22</a:t>
             </a:fld>
             <a:endParaRPr lang="ko-KR" altLang="en-US"/>
           </a:p>
@@ -2354,7 +2355,7 @@
           <a:p>
             <a:fld id="{84B113F4-3EE7-405D-8C5B-55A41272BB02}" type="datetimeFigureOut">
               <a:rPr lang="ko-KR" altLang="en-US" smtClean="0"/>
-              <a:t>2023-03-21</a:t>
+              <a:t>2023-03-22</a:t>
             </a:fld>
             <a:endParaRPr lang="ko-KR" altLang="en-US"/>
           </a:p>
@@ -2567,7 +2568,7 @@
           <a:p>
             <a:fld id="{84B113F4-3EE7-405D-8C5B-55A41272BB02}" type="datetimeFigureOut">
               <a:rPr lang="ko-KR" altLang="en-US" smtClean="0"/>
-              <a:t>2023-03-21</a:t>
+              <a:t>2023-03-22</a:t>
             </a:fld>
             <a:endParaRPr lang="ko-KR" altLang="en-US"/>
           </a:p>
@@ -4001,6 +4002,60 @@
 </p:sld>
 </file>
 
+<file path=ppt/slides/slide5.xml><?xml version="1.0" encoding="utf-8"?>
+<p:sld xmlns:a="http://schemas.openxmlformats.org/drawingml/2006/main" xmlns:r="http://schemas.openxmlformats.org/officeDocument/2006/relationships" xmlns:p="http://schemas.openxmlformats.org/presentationml/2006/main">
+  <p:cSld>
+    <p:spTree>
+      <p:nvGrpSpPr>
+        <p:cNvPr id="1" name=""/>
+        <p:cNvGrpSpPr/>
+        <p:nvPr/>
+      </p:nvGrpSpPr>
+      <p:grpSpPr>
+        <a:xfrm>
+          <a:off x="0" y="0"/>
+          <a:ext cx="0" cy="0"/>
+          <a:chOff x="0" y="0"/>
+          <a:chExt cx="0" cy="0"/>
+        </a:xfrm>
+      </p:grpSpPr>
+      <p:pic>
+        <p:nvPicPr>
+          <p:cNvPr id="4" name="그림 3"/>
+          <p:cNvPicPr>
+            <a:picLocks noChangeAspect="1"/>
+          </p:cNvPicPr>
+          <p:nvPr/>
+        </p:nvPicPr>
+        <p:blipFill>
+          <a:blip r:embed="rId2"/>
+          <a:stretch>
+            <a:fillRect/>
+          </a:stretch>
+        </p:blipFill>
+        <p:spPr>
+          <a:xfrm>
+            <a:off x="4362208" y="1290339"/>
+            <a:ext cx="3467584" cy="4277322"/>
+          </a:xfrm>
+          <a:prstGeom prst="rect">
+            <a:avLst/>
+          </a:prstGeom>
+        </p:spPr>
+      </p:pic>
+    </p:spTree>
+    <p:extLst>
+      <p:ext uri="{BB962C8B-B14F-4D97-AF65-F5344CB8AC3E}">
+        <p14:creationId xmlns:p14="http://schemas.microsoft.com/office/powerpoint/2010/main" val="1631494491"/>
+      </p:ext>
+    </p:extLst>
+  </p:cSld>
+  <p:clrMapOvr>
+    <a:masterClrMapping/>
+  </p:clrMapOvr>
+</p:sld>
+</file>
+
 <file path=ppt/theme/theme1.xml><?xml version="1.0" encoding="utf-8"?>
 <a:theme xmlns:a="http://schemas.openxmlformats.org/drawingml/2006/main" name="Office 테마">
   <a:themeElements>
